--- a/mestersegesi.pptx
+++ b/mestersegesi.pptx
@@ -6,6 +6,11 @@
   </p:sldMasterIdLst>
   <p:sldIdLst>
     <p:sldId id="256" r:id="rId2"/>
+    <p:sldId id="257" r:id="rId3"/>
+    <p:sldId id="258" r:id="rId4"/>
+    <p:sldId id="259" r:id="rId5"/>
+    <p:sldId id="260" r:id="rId6"/>
+    <p:sldId id="261" r:id="rId7"/>
   </p:sldIdLst>
   <p:sldSz cx="12192000" cy="6858000"/>
   <p:notesSz cx="6858000" cy="9144000"/>
@@ -104,6 +109,11 @@
       </a:defRPr>
     </a:lvl9pPr>
   </p:defaultTextStyle>
+  <p:extLst>
+    <p:ext uri="{EFAFB233-063F-42B5-8137-9DF3F51BA10A}">
+      <p15:sldGuideLst xmlns:p15="http://schemas.microsoft.com/office/powerpoint/2012/main"/>
+    </p:ext>
+  </p:extLst>
 </p:presentation>
 </file>
 
@@ -336,7 +346,7 @@
           <a:p>
             <a:fld id="{842B7946-4DFA-4373-AFA4-73A0AB469E7D}" type="datetimeFigureOut">
               <a:rPr lang="hu-HU" smtClean="0"/>
-              <a:t>2022. 10. 10.</a:t>
+              <a:t>2022. 10. 18.</a:t>
             </a:fld>
             <a:endParaRPr lang="hu-HU"/>
           </a:p>
@@ -670,7 +680,7 @@
           <a:p>
             <a:fld id="{842B7946-4DFA-4373-AFA4-73A0AB469E7D}" type="datetimeFigureOut">
               <a:rPr lang="hu-HU" smtClean="0"/>
-              <a:t>2022. 10. 10.</a:t>
+              <a:t>2022. 10. 18.</a:t>
             </a:fld>
             <a:endParaRPr lang="hu-HU"/>
           </a:p>
@@ -948,7 +958,7 @@
           <a:p>
             <a:fld id="{842B7946-4DFA-4373-AFA4-73A0AB469E7D}" type="datetimeFigureOut">
               <a:rPr lang="hu-HU" smtClean="0"/>
-              <a:t>2022. 10. 10.</a:t>
+              <a:t>2022. 10. 18.</a:t>
             </a:fld>
             <a:endParaRPr lang="hu-HU"/>
           </a:p>
@@ -1516,7 +1526,7 @@
           <a:p>
             <a:fld id="{842B7946-4DFA-4373-AFA4-73A0AB469E7D}" type="datetimeFigureOut">
               <a:rPr lang="hu-HU" smtClean="0"/>
-              <a:t>2022. 10. 10.</a:t>
+              <a:t>2022. 10. 18.</a:t>
             </a:fld>
             <a:endParaRPr lang="hu-HU"/>
           </a:p>
@@ -1794,7 +1804,7 @@
           <a:p>
             <a:fld id="{842B7946-4DFA-4373-AFA4-73A0AB469E7D}" type="datetimeFigureOut">
               <a:rPr lang="hu-HU" smtClean="0"/>
-              <a:t>2022. 10. 10.</a:t>
+              <a:t>2022. 10. 18.</a:t>
             </a:fld>
             <a:endParaRPr lang="hu-HU"/>
           </a:p>
@@ -2356,7 +2366,7 @@
           <a:p>
             <a:fld id="{842B7946-4DFA-4373-AFA4-73A0AB469E7D}" type="datetimeFigureOut">
               <a:rPr lang="hu-HU" smtClean="0"/>
-              <a:t>2022. 10. 10.</a:t>
+              <a:t>2022. 10. 18.</a:t>
             </a:fld>
             <a:endParaRPr lang="hu-HU"/>
           </a:p>
@@ -2683,7 +2693,7 @@
           <a:p>
             <a:fld id="{842B7946-4DFA-4373-AFA4-73A0AB469E7D}" type="datetimeFigureOut">
               <a:rPr lang="hu-HU" smtClean="0"/>
-              <a:t>2022. 10. 10.</a:t>
+              <a:t>2022. 10. 18.</a:t>
             </a:fld>
             <a:endParaRPr lang="hu-HU"/>
           </a:p>
@@ -2860,7 +2870,7 @@
           <a:p>
             <a:fld id="{842B7946-4DFA-4373-AFA4-73A0AB469E7D}" type="datetimeFigureOut">
               <a:rPr lang="hu-HU" smtClean="0"/>
-              <a:t>2022. 10. 10.</a:t>
+              <a:t>2022. 10. 18.</a:t>
             </a:fld>
             <a:endParaRPr lang="hu-HU"/>
           </a:p>
@@ -3098,7 +3108,7 @@
           <a:p>
             <a:fld id="{842B7946-4DFA-4373-AFA4-73A0AB469E7D}" type="datetimeFigureOut">
               <a:rPr lang="hu-HU" smtClean="0"/>
-              <a:t>2022. 10. 10.</a:t>
+              <a:t>2022. 10. 18.</a:t>
             </a:fld>
             <a:endParaRPr lang="hu-HU"/>
           </a:p>
@@ -3298,7 +3308,7 @@
           <a:p>
             <a:fld id="{842B7946-4DFA-4373-AFA4-73A0AB469E7D}" type="datetimeFigureOut">
               <a:rPr lang="hu-HU" smtClean="0"/>
-              <a:t>2022. 10. 10.</a:t>
+              <a:t>2022. 10. 18.</a:t>
             </a:fld>
             <a:endParaRPr lang="hu-HU"/>
           </a:p>
@@ -3574,7 +3584,7 @@
           <a:p>
             <a:fld id="{842B7946-4DFA-4373-AFA4-73A0AB469E7D}" type="datetimeFigureOut">
               <a:rPr lang="hu-HU" smtClean="0"/>
-              <a:t>2022. 10. 10.</a:t>
+              <a:t>2022. 10. 18.</a:t>
             </a:fld>
             <a:endParaRPr lang="hu-HU"/>
           </a:p>
@@ -3840,7 +3850,7 @@
           <a:p>
             <a:fld id="{842B7946-4DFA-4373-AFA4-73A0AB469E7D}" type="datetimeFigureOut">
               <a:rPr lang="hu-HU" smtClean="0"/>
-              <a:t>2022. 10. 10.</a:t>
+              <a:t>2022. 10. 18.</a:t>
             </a:fld>
             <a:endParaRPr lang="hu-HU"/>
           </a:p>
@@ -4214,7 +4224,7 @@
           <a:p>
             <a:fld id="{842B7946-4DFA-4373-AFA4-73A0AB469E7D}" type="datetimeFigureOut">
               <a:rPr lang="hu-HU" smtClean="0"/>
-              <a:t>2022. 10. 10.</a:t>
+              <a:t>2022. 10. 18.</a:t>
             </a:fld>
             <a:endParaRPr lang="hu-HU"/>
           </a:p>
@@ -4362,7 +4372,7 @@
           <a:p>
             <a:fld id="{842B7946-4DFA-4373-AFA4-73A0AB469E7D}" type="datetimeFigureOut">
               <a:rPr lang="hu-HU" smtClean="0"/>
-              <a:t>2022. 10. 10.</a:t>
+              <a:t>2022. 10. 18.</a:t>
             </a:fld>
             <a:endParaRPr lang="hu-HU"/>
           </a:p>
@@ -4487,7 +4497,7 @@
           <a:p>
             <a:fld id="{842B7946-4DFA-4373-AFA4-73A0AB469E7D}" type="datetimeFigureOut">
               <a:rPr lang="hu-HU" smtClean="0"/>
-              <a:t>2022. 10. 10.</a:t>
+              <a:t>2022. 10. 18.</a:t>
             </a:fld>
             <a:endParaRPr lang="hu-HU"/>
           </a:p>
@@ -4772,7 +4782,7 @@
           <a:p>
             <a:fld id="{842B7946-4DFA-4373-AFA4-73A0AB469E7D}" type="datetimeFigureOut">
               <a:rPr lang="hu-HU" smtClean="0"/>
-              <a:t>2022. 10. 10.</a:t>
+              <a:t>2022. 10. 18.</a:t>
             </a:fld>
             <a:endParaRPr lang="hu-HU"/>
           </a:p>
@@ -5096,7 +5106,7 @@
           <a:p>
             <a:fld id="{842B7946-4DFA-4373-AFA4-73A0AB469E7D}" type="datetimeFigureOut">
               <a:rPr lang="hu-HU" smtClean="0"/>
-              <a:t>2022. 10. 10.</a:t>
+              <a:t>2022. 10. 18.</a:t>
             </a:fld>
             <a:endParaRPr lang="hu-HU"/>
           </a:p>
@@ -5310,7 +5320,7 @@
           <a:p>
             <a:fld id="{842B7946-4DFA-4373-AFA4-73A0AB469E7D}" type="datetimeFigureOut">
               <a:rPr lang="hu-HU" smtClean="0"/>
-              <a:t>2022. 10. 10.</a:t>
+              <a:t>2022. 10. 18.</a:t>
             </a:fld>
             <a:endParaRPr lang="hu-HU"/>
           </a:p>
@@ -5946,6 +5956,1348 @@
 </p:sld>
 </file>
 
+<file path=ppt/slides/slide2.xml><?xml version="1.0" encoding="utf-8"?>
+<p:sld xmlns:a="http://schemas.openxmlformats.org/drawingml/2006/main" xmlns:r="http://schemas.openxmlformats.org/officeDocument/2006/relationships" xmlns:p="http://schemas.openxmlformats.org/presentationml/2006/main">
+  <p:cSld>
+    <p:spTree>
+      <p:nvGrpSpPr>
+        <p:cNvPr id="1" name=""/>
+        <p:cNvGrpSpPr/>
+        <p:nvPr/>
+      </p:nvGrpSpPr>
+      <p:grpSpPr>
+        <a:xfrm>
+          <a:off x="0" y="0"/>
+          <a:ext cx="0" cy="0"/>
+          <a:chOff x="0" y="0"/>
+          <a:chExt cx="0" cy="0"/>
+        </a:xfrm>
+      </p:grpSpPr>
+      <p:sp>
+        <p:nvSpPr>
+          <p:cNvPr id="2" name="Cím 1">
+            <a:extLst>
+              <a:ext uri="{FF2B5EF4-FFF2-40B4-BE49-F238E27FC236}">
+                <a16:creationId xmlns:a16="http://schemas.microsoft.com/office/drawing/2014/main" id="{9692A160-3280-4C0E-B9DE-2D55D9B47BC5}"/>
+              </a:ext>
+            </a:extLst>
+          </p:cNvPr>
+          <p:cNvSpPr>
+            <a:spLocks noGrp="1"/>
+          </p:cNvSpPr>
+          <p:nvPr>
+            <p:ph type="title"/>
+          </p:nvPr>
+        </p:nvSpPr>
+        <p:spPr/>
+        <p:txBody>
+          <a:bodyPr/>
+          <a:lstStyle/>
+          <a:p>
+            <a:r>
+              <a:rPr lang="hu-HU" dirty="0"/>
+              <a:t>Mi is az a mesterséges intelligencia?</a:t>
+            </a:r>
+          </a:p>
+        </p:txBody>
+      </p:sp>
+      <p:sp>
+        <p:nvSpPr>
+          <p:cNvPr id="3" name="Tartalom helye 2">
+            <a:extLst>
+              <a:ext uri="{FF2B5EF4-FFF2-40B4-BE49-F238E27FC236}">
+                <a16:creationId xmlns:a16="http://schemas.microsoft.com/office/drawing/2014/main" id="{D8295927-D01F-4BC4-AE0E-63C8FDAABB5D}"/>
+              </a:ext>
+            </a:extLst>
+          </p:cNvPr>
+          <p:cNvSpPr>
+            <a:spLocks noGrp="1"/>
+          </p:cNvSpPr>
+          <p:nvPr>
+            <p:ph idx="1"/>
+          </p:nvPr>
+        </p:nvSpPr>
+        <p:spPr>
+          <a:xfrm>
+            <a:off x="291519" y="2914474"/>
+            <a:ext cx="10131425" cy="3333925"/>
+          </a:xfrm>
+        </p:spPr>
+        <p:txBody>
+          <a:bodyPr>
+            <a:normAutofit/>
+          </a:bodyPr>
+          <a:lstStyle/>
+          <a:p>
+            <a:r>
+              <a:rPr lang="hu-HU" b="1" i="1" dirty="0"/>
+              <a:t>Fogalma: </a:t>
+            </a:r>
+            <a:r>
+              <a:rPr lang="hu-HU" dirty="0"/>
+              <a:t>A mesterséges intelligencia (MI) a gépek emberhez hasonló képességeit jelenti, mint például az érvelés, a tanulás, a tervezés és a kreativitás.</a:t>
+            </a:r>
+          </a:p>
+          <a:p>
+            <a:pPr fontAlgn="ctr"/>
+            <a:r>
+              <a:rPr lang="hu-HU" b="1" i="1" dirty="0"/>
+              <a:t>Lehetővé teszi</a:t>
+            </a:r>
+            <a:r>
+              <a:rPr lang="hu-HU" dirty="0"/>
+              <a:t> a technika számára, hogy érzékelje környezetét, foglalkozzon azzal, amit észlel, problémákat oldjon meg, és konkrét cél elérése érdekében tervezze meg lépéseit. A számítógép nemcsak adatokat fogad (már előkészített vagy összegyűjtött adatokat érzékelőin, például kameráján keresztül), hanem fel is dolgozza azokat és reagál rájuk.</a:t>
+            </a:r>
+          </a:p>
+          <a:p>
+            <a:pPr fontAlgn="ctr"/>
+            <a:r>
+              <a:rPr lang="hu-HU" i="1" dirty="0"/>
+              <a:t>Ezek a rendszerek képesek viselkedésük bizonyos fokú módosítására is, a korábbi lépéseik hatásainak elemzésével és önálló munkával</a:t>
+            </a:r>
+          </a:p>
+          <a:p>
+            <a:endParaRPr lang="hu-HU" b="1" dirty="0"/>
+          </a:p>
+        </p:txBody>
+      </p:sp>
+      <p:sp>
+        <p:nvSpPr>
+          <p:cNvPr id="4" name="Tartalom helye 2">
+            <a:extLst>
+              <a:ext uri="{FF2B5EF4-FFF2-40B4-BE49-F238E27FC236}">
+                <a16:creationId xmlns:a16="http://schemas.microsoft.com/office/drawing/2014/main" id="{5EA1CE43-77D5-4C1B-B84A-0F1D2B8B4EAE}"/>
+              </a:ext>
+            </a:extLst>
+          </p:cNvPr>
+          <p:cNvSpPr txBox="1">
+            <a:spLocks/>
+          </p:cNvSpPr>
+          <p:nvPr/>
+        </p:nvSpPr>
+        <p:spPr>
+          <a:xfrm>
+            <a:off x="631300" y="1967917"/>
+            <a:ext cx="1486947" cy="590026"/>
+          </a:xfrm>
+          <a:prstGeom prst="rect">
+            <a:avLst/>
+          </a:prstGeom>
+        </p:spPr>
+        <p:txBody>
+          <a:bodyPr vert="horz" lIns="91440" tIns="45720" rIns="91440" bIns="45720" rtlCol="0" anchor="ctr">
+            <a:normAutofit lnSpcReduction="10000"/>
+          </a:bodyPr>
+          <a:lstStyle>
+            <a:lvl1pPr marL="285750" indent="-285750" algn="l" defTabSz="457200" rtl="0" eaLnBrk="1" latinLnBrk="0" hangingPunct="1">
+              <a:spcBef>
+                <a:spcPts val="0"/>
+              </a:spcBef>
+              <a:spcAft>
+                <a:spcPts val="1000"/>
+              </a:spcAft>
+              <a:buClr>
+                <a:schemeClr val="tx1"/>
+              </a:buClr>
+              <a:buSzPct val="100000"/>
+              <a:buFont typeface="Arial"/>
+              <a:buChar char="•"/>
+              <a:defRPr sz="1800" kern="1200" cap="none">
+                <a:solidFill>
+                  <a:schemeClr val="tx1"/>
+                </a:solidFill>
+                <a:effectLst/>
+                <a:latin typeface="+mn-lt"/>
+                <a:ea typeface="+mn-ea"/>
+                <a:cs typeface="+mn-cs"/>
+              </a:defRPr>
+            </a:lvl1pPr>
+            <a:lvl2pPr marL="742950" indent="-285750" algn="l" defTabSz="457200" rtl="0" eaLnBrk="1" latinLnBrk="0" hangingPunct="1">
+              <a:spcBef>
+                <a:spcPts val="0"/>
+              </a:spcBef>
+              <a:spcAft>
+                <a:spcPts val="1000"/>
+              </a:spcAft>
+              <a:buClr>
+                <a:schemeClr val="tx1"/>
+              </a:buClr>
+              <a:buSzPct val="100000"/>
+              <a:buFont typeface="Arial"/>
+              <a:buChar char="•"/>
+              <a:defRPr sz="1600" kern="1200" cap="none">
+                <a:solidFill>
+                  <a:schemeClr val="tx1"/>
+                </a:solidFill>
+                <a:effectLst/>
+                <a:latin typeface="+mn-lt"/>
+                <a:ea typeface="+mn-ea"/>
+                <a:cs typeface="+mn-cs"/>
+              </a:defRPr>
+            </a:lvl2pPr>
+            <a:lvl3pPr marL="1200150" indent="-285750" algn="l" defTabSz="457200" rtl="0" eaLnBrk="1" latinLnBrk="0" hangingPunct="1">
+              <a:spcBef>
+                <a:spcPts val="0"/>
+              </a:spcBef>
+              <a:spcAft>
+                <a:spcPts val="1000"/>
+              </a:spcAft>
+              <a:buClr>
+                <a:schemeClr val="tx1"/>
+              </a:buClr>
+              <a:buSzPct val="100000"/>
+              <a:buFont typeface="Arial"/>
+              <a:buChar char="•"/>
+              <a:defRPr sz="1400" kern="1200" cap="none">
+                <a:solidFill>
+                  <a:schemeClr val="tx1"/>
+                </a:solidFill>
+                <a:effectLst/>
+                <a:latin typeface="+mn-lt"/>
+                <a:ea typeface="+mn-ea"/>
+                <a:cs typeface="+mn-cs"/>
+              </a:defRPr>
+            </a:lvl3pPr>
+            <a:lvl4pPr marL="1543050" indent="-171450" algn="l" defTabSz="457200" rtl="0" eaLnBrk="1" latinLnBrk="0" hangingPunct="1">
+              <a:spcBef>
+                <a:spcPts val="0"/>
+              </a:spcBef>
+              <a:spcAft>
+                <a:spcPts val="1000"/>
+              </a:spcAft>
+              <a:buClr>
+                <a:schemeClr val="tx1"/>
+              </a:buClr>
+              <a:buSzPct val="100000"/>
+              <a:buFont typeface="Arial"/>
+              <a:buChar char="•"/>
+              <a:defRPr sz="1200" kern="1200" cap="none">
+                <a:solidFill>
+                  <a:schemeClr val="tx1"/>
+                </a:solidFill>
+                <a:effectLst/>
+                <a:latin typeface="+mn-lt"/>
+                <a:ea typeface="+mn-ea"/>
+                <a:cs typeface="+mn-cs"/>
+              </a:defRPr>
+            </a:lvl4pPr>
+            <a:lvl5pPr marL="2000250" indent="-171450" algn="l" defTabSz="457200" rtl="0" eaLnBrk="1" latinLnBrk="0" hangingPunct="1">
+              <a:spcBef>
+                <a:spcPts val="0"/>
+              </a:spcBef>
+              <a:spcAft>
+                <a:spcPts val="1000"/>
+              </a:spcAft>
+              <a:buClr>
+                <a:schemeClr val="tx1"/>
+              </a:buClr>
+              <a:buSzPct val="100000"/>
+              <a:buFont typeface="Arial"/>
+              <a:buChar char="•"/>
+              <a:defRPr sz="1200" kern="1200" cap="none">
+                <a:solidFill>
+                  <a:schemeClr val="tx1"/>
+                </a:solidFill>
+                <a:effectLst/>
+                <a:latin typeface="+mn-lt"/>
+                <a:ea typeface="+mn-ea"/>
+                <a:cs typeface="+mn-cs"/>
+              </a:defRPr>
+            </a:lvl5pPr>
+            <a:lvl6pPr marL="2514600" indent="-228600" algn="l" defTabSz="457200" rtl="0" eaLnBrk="1" latinLnBrk="0" hangingPunct="1">
+              <a:spcBef>
+                <a:spcPts val="0"/>
+              </a:spcBef>
+              <a:spcAft>
+                <a:spcPts val="1000"/>
+              </a:spcAft>
+              <a:buClr>
+                <a:schemeClr val="tx1"/>
+              </a:buClr>
+              <a:buSzPct val="100000"/>
+              <a:buFont typeface="Arial"/>
+              <a:buChar char="•"/>
+              <a:defRPr sz="1200" kern="1200" cap="none">
+                <a:solidFill>
+                  <a:schemeClr val="tx1"/>
+                </a:solidFill>
+                <a:effectLst/>
+                <a:latin typeface="+mn-lt"/>
+                <a:ea typeface="+mn-ea"/>
+                <a:cs typeface="+mn-cs"/>
+              </a:defRPr>
+            </a:lvl6pPr>
+            <a:lvl7pPr marL="2971800" indent="-228600" algn="l" defTabSz="457200" rtl="0" eaLnBrk="1" latinLnBrk="0" hangingPunct="1">
+              <a:spcBef>
+                <a:spcPts val="0"/>
+              </a:spcBef>
+              <a:spcAft>
+                <a:spcPts val="1000"/>
+              </a:spcAft>
+              <a:buClr>
+                <a:schemeClr val="tx1"/>
+              </a:buClr>
+              <a:buSzPct val="100000"/>
+              <a:buFont typeface="Arial"/>
+              <a:buChar char="•"/>
+              <a:defRPr sz="1200" kern="1200" cap="none">
+                <a:solidFill>
+                  <a:schemeClr val="tx1"/>
+                </a:solidFill>
+                <a:effectLst/>
+                <a:latin typeface="+mn-lt"/>
+                <a:ea typeface="+mn-ea"/>
+                <a:cs typeface="+mn-cs"/>
+              </a:defRPr>
+            </a:lvl7pPr>
+            <a:lvl8pPr marL="3429000" indent="-228600" algn="l" defTabSz="457200" rtl="0" eaLnBrk="1" latinLnBrk="0" hangingPunct="1">
+              <a:spcBef>
+                <a:spcPts val="0"/>
+              </a:spcBef>
+              <a:spcAft>
+                <a:spcPts val="1000"/>
+              </a:spcAft>
+              <a:buClr>
+                <a:schemeClr val="tx1"/>
+              </a:buClr>
+              <a:buSzPct val="100000"/>
+              <a:buFont typeface="Arial"/>
+              <a:buChar char="•"/>
+              <a:defRPr sz="1200" kern="1200" cap="none">
+                <a:solidFill>
+                  <a:schemeClr val="tx1"/>
+                </a:solidFill>
+                <a:effectLst/>
+                <a:latin typeface="+mn-lt"/>
+                <a:ea typeface="+mn-ea"/>
+                <a:cs typeface="+mn-cs"/>
+              </a:defRPr>
+            </a:lvl8pPr>
+            <a:lvl9pPr marL="3886200" indent="-228600" algn="l" defTabSz="457200" rtl="0" eaLnBrk="1" latinLnBrk="0" hangingPunct="1">
+              <a:spcBef>
+                <a:spcPts val="0"/>
+              </a:spcBef>
+              <a:spcAft>
+                <a:spcPts val="1000"/>
+              </a:spcAft>
+              <a:buClr>
+                <a:schemeClr val="tx1"/>
+              </a:buClr>
+              <a:buSzPct val="100000"/>
+              <a:buFont typeface="Arial"/>
+              <a:buChar char="•"/>
+              <a:defRPr sz="1200" kern="1200" cap="none">
+                <a:solidFill>
+                  <a:schemeClr val="tx1"/>
+                </a:solidFill>
+                <a:effectLst/>
+                <a:latin typeface="+mn-lt"/>
+                <a:ea typeface="+mn-ea"/>
+                <a:cs typeface="+mn-cs"/>
+              </a:defRPr>
+            </a:lvl9pPr>
+          </a:lstStyle>
+          <a:p>
+            <a:pPr marL="0" indent="0">
+              <a:buNone/>
+            </a:pPr>
+            <a:r>
+              <a:rPr lang="hu-HU" dirty="0"/>
+              <a:t>Rövidítése: </a:t>
+            </a:r>
+            <a:r>
+              <a:rPr lang="hu-HU" b="1" i="1" u="sng" dirty="0"/>
+              <a:t>MI</a:t>
+            </a:r>
+          </a:p>
+        </p:txBody>
+      </p:sp>
+    </p:spTree>
+    <p:extLst>
+      <p:ext uri="{BB962C8B-B14F-4D97-AF65-F5344CB8AC3E}">
+        <p14:creationId xmlns:p14="http://schemas.microsoft.com/office/powerpoint/2010/main" val="1321950263"/>
+      </p:ext>
+    </p:extLst>
+  </p:cSld>
+  <p:clrMapOvr>
+    <a:masterClrMapping/>
+  </p:clrMapOvr>
+</p:sld>
+</file>
+
+<file path=ppt/slides/slide3.xml><?xml version="1.0" encoding="utf-8"?>
+<p:sld xmlns:a="http://schemas.openxmlformats.org/drawingml/2006/main" xmlns:r="http://schemas.openxmlformats.org/officeDocument/2006/relationships" xmlns:p="http://schemas.openxmlformats.org/presentationml/2006/main">
+  <p:cSld>
+    <p:spTree>
+      <p:nvGrpSpPr>
+        <p:cNvPr id="1" name=""/>
+        <p:cNvGrpSpPr/>
+        <p:nvPr/>
+      </p:nvGrpSpPr>
+      <p:grpSpPr>
+        <a:xfrm>
+          <a:off x="0" y="0"/>
+          <a:ext cx="0" cy="0"/>
+          <a:chOff x="0" y="0"/>
+          <a:chExt cx="0" cy="0"/>
+        </a:xfrm>
+      </p:grpSpPr>
+      <p:sp>
+        <p:nvSpPr>
+          <p:cNvPr id="2" name="Cím 1">
+            <a:extLst>
+              <a:ext uri="{FF2B5EF4-FFF2-40B4-BE49-F238E27FC236}">
+                <a16:creationId xmlns:a16="http://schemas.microsoft.com/office/drawing/2014/main" id="{837555B2-B8DD-4361-B852-149A6E0FF6EE}"/>
+              </a:ext>
+            </a:extLst>
+          </p:cNvPr>
+          <p:cNvSpPr>
+            <a:spLocks noGrp="1"/>
+          </p:cNvSpPr>
+          <p:nvPr>
+            <p:ph type="title"/>
+          </p:nvPr>
+        </p:nvSpPr>
+        <p:spPr>
+          <a:xfrm>
+            <a:off x="685802" y="609600"/>
+            <a:ext cx="4473428" cy="808139"/>
+          </a:xfrm>
+        </p:spPr>
+        <p:txBody>
+          <a:bodyPr/>
+          <a:lstStyle/>
+          <a:p>
+            <a:r>
+              <a:rPr lang="hu-HU" dirty="0"/>
+              <a:t>Miért fontos a MI?</a:t>
+            </a:r>
+          </a:p>
+        </p:txBody>
+      </p:sp>
+      <p:sp>
+        <p:nvSpPr>
+          <p:cNvPr id="3" name="Tartalom helye 2">
+            <a:extLst>
+              <a:ext uri="{FF2B5EF4-FFF2-40B4-BE49-F238E27FC236}">
+                <a16:creationId xmlns:a16="http://schemas.microsoft.com/office/drawing/2014/main" id="{303FCF42-8F12-4F8B-B749-45A3729AF036}"/>
+              </a:ext>
+            </a:extLst>
+          </p:cNvPr>
+          <p:cNvSpPr>
+            <a:spLocks noGrp="1"/>
+          </p:cNvSpPr>
+          <p:nvPr>
+            <p:ph sz="half" idx="1"/>
+          </p:nvPr>
+        </p:nvSpPr>
+        <p:spPr/>
+        <p:txBody>
+          <a:bodyPr/>
+          <a:lstStyle/>
+          <a:p>
+            <a:r>
+              <a:rPr lang="hu-HU" dirty="0"/>
+              <a:t>A technológia egyes fajtái már több mint 50 éve léteznek, de a teljesítmény fejlődése, a hatalmas mennyiségű adat feldolgozása és az új algoritmusok az elmúlt években jelentős áttörést jelentettek a területen</a:t>
+            </a:r>
+          </a:p>
+        </p:txBody>
+      </p:sp>
+      <p:sp>
+        <p:nvSpPr>
+          <p:cNvPr id="4" name="Tartalom helye 3">
+            <a:extLst>
+              <a:ext uri="{FF2B5EF4-FFF2-40B4-BE49-F238E27FC236}">
+                <a16:creationId xmlns:a16="http://schemas.microsoft.com/office/drawing/2014/main" id="{2FE629A9-7742-4A40-85E5-47D65BAACA37}"/>
+              </a:ext>
+            </a:extLst>
+          </p:cNvPr>
+          <p:cNvSpPr>
+            <a:spLocks noGrp="1"/>
+          </p:cNvSpPr>
+          <p:nvPr>
+            <p:ph sz="half" idx="2"/>
+          </p:nvPr>
+        </p:nvSpPr>
+        <p:spPr/>
+        <p:txBody>
+          <a:bodyPr/>
+          <a:lstStyle/>
+          <a:p>
+            <a:r>
+              <a:rPr lang="hu-HU" dirty="0"/>
+              <a:t>Szoftveralapú: virtuális asszisztensek, képelemző szoftverek, keresők, beszéd- és arcfelismerő rendszerek</a:t>
+            </a:r>
+          </a:p>
+          <a:p>
+            <a:r>
+              <a:rPr lang="hu-HU" dirty="0"/>
+              <a:t>Fizikai: robotok, önvezető autók, drónok, stb.</a:t>
+            </a:r>
+          </a:p>
+        </p:txBody>
+      </p:sp>
+      <p:sp>
+        <p:nvSpPr>
+          <p:cNvPr id="6" name="Cím 1">
+            <a:extLst>
+              <a:ext uri="{FF2B5EF4-FFF2-40B4-BE49-F238E27FC236}">
+                <a16:creationId xmlns:a16="http://schemas.microsoft.com/office/drawing/2014/main" id="{C9873E00-8B50-4246-81FA-262462C9F6EC}"/>
+              </a:ext>
+            </a:extLst>
+          </p:cNvPr>
+          <p:cNvSpPr txBox="1">
+            <a:spLocks/>
+          </p:cNvSpPr>
+          <p:nvPr/>
+        </p:nvSpPr>
+        <p:spPr>
+          <a:xfrm>
+            <a:off x="6509160" y="662730"/>
+            <a:ext cx="4473428" cy="808139"/>
+          </a:xfrm>
+          <a:prstGeom prst="rect">
+            <a:avLst/>
+          </a:prstGeom>
+          <a:effectLst/>
+        </p:spPr>
+        <p:txBody>
+          <a:bodyPr vert="horz" lIns="91440" tIns="45720" rIns="91440" bIns="45720" rtlCol="0" anchor="ctr">
+            <a:normAutofit/>
+          </a:bodyPr>
+          <a:lstStyle>
+            <a:lvl1pPr algn="l" defTabSz="457200" rtl="0" eaLnBrk="1" latinLnBrk="0" hangingPunct="1">
+              <a:spcBef>
+                <a:spcPct val="0"/>
+              </a:spcBef>
+              <a:buNone/>
+              <a:defRPr sz="3600" kern="1200" cap="all">
+                <a:ln w="3175" cmpd="sng">
+                  <a:noFill/>
+                </a:ln>
+                <a:solidFill>
+                  <a:schemeClr val="tx1"/>
+                </a:solidFill>
+                <a:effectLst/>
+                <a:latin typeface="+mj-lt"/>
+                <a:ea typeface="+mj-ea"/>
+                <a:cs typeface="+mj-cs"/>
+              </a:defRPr>
+            </a:lvl1pPr>
+            <a:lvl2pPr eaLnBrk="1" hangingPunct="1">
+              <a:defRPr>
+                <a:solidFill>
+                  <a:schemeClr val="tx2"/>
+                </a:solidFill>
+              </a:defRPr>
+            </a:lvl2pPr>
+            <a:lvl3pPr eaLnBrk="1" hangingPunct="1">
+              <a:defRPr>
+                <a:solidFill>
+                  <a:schemeClr val="tx2"/>
+                </a:solidFill>
+              </a:defRPr>
+            </a:lvl3pPr>
+            <a:lvl4pPr eaLnBrk="1" hangingPunct="1">
+              <a:defRPr>
+                <a:solidFill>
+                  <a:schemeClr val="tx2"/>
+                </a:solidFill>
+              </a:defRPr>
+            </a:lvl4pPr>
+            <a:lvl5pPr eaLnBrk="1" hangingPunct="1">
+              <a:defRPr>
+                <a:solidFill>
+                  <a:schemeClr val="tx2"/>
+                </a:solidFill>
+              </a:defRPr>
+            </a:lvl5pPr>
+            <a:lvl6pPr eaLnBrk="1" hangingPunct="1">
+              <a:defRPr>
+                <a:solidFill>
+                  <a:schemeClr val="tx2"/>
+                </a:solidFill>
+              </a:defRPr>
+            </a:lvl6pPr>
+            <a:lvl7pPr eaLnBrk="1" hangingPunct="1">
+              <a:defRPr>
+                <a:solidFill>
+                  <a:schemeClr val="tx2"/>
+                </a:solidFill>
+              </a:defRPr>
+            </a:lvl7pPr>
+            <a:lvl8pPr eaLnBrk="1" hangingPunct="1">
+              <a:defRPr>
+                <a:solidFill>
+                  <a:schemeClr val="tx2"/>
+                </a:solidFill>
+              </a:defRPr>
+            </a:lvl8pPr>
+            <a:lvl9pPr eaLnBrk="1" hangingPunct="1">
+              <a:defRPr>
+                <a:solidFill>
+                  <a:schemeClr val="tx2"/>
+                </a:solidFill>
+              </a:defRPr>
+            </a:lvl9pPr>
+          </a:lstStyle>
+          <a:p>
+            <a:r>
+              <a:rPr lang="hu-HU" dirty="0"/>
+              <a:t>És mik a fő típusai?</a:t>
+            </a:r>
+          </a:p>
+        </p:txBody>
+      </p:sp>
+    </p:spTree>
+    <p:extLst>
+      <p:ext uri="{BB962C8B-B14F-4D97-AF65-F5344CB8AC3E}">
+        <p14:creationId xmlns:p14="http://schemas.microsoft.com/office/powerpoint/2010/main" val="3781998645"/>
+      </p:ext>
+    </p:extLst>
+  </p:cSld>
+  <p:clrMapOvr>
+    <a:masterClrMapping/>
+  </p:clrMapOvr>
+</p:sld>
+</file>
+
+<file path=ppt/slides/slide4.xml><?xml version="1.0" encoding="utf-8"?>
+<p:sld xmlns:a="http://schemas.openxmlformats.org/drawingml/2006/main" xmlns:r="http://schemas.openxmlformats.org/officeDocument/2006/relationships" xmlns:p="http://schemas.openxmlformats.org/presentationml/2006/main">
+  <p:cSld>
+    <p:spTree>
+      <p:nvGrpSpPr>
+        <p:cNvPr id="1" name=""/>
+        <p:cNvGrpSpPr/>
+        <p:nvPr/>
+      </p:nvGrpSpPr>
+      <p:grpSpPr>
+        <a:xfrm>
+          <a:off x="0" y="0"/>
+          <a:ext cx="0" cy="0"/>
+          <a:chOff x="0" y="0"/>
+          <a:chExt cx="0" cy="0"/>
+        </a:xfrm>
+      </p:grpSpPr>
+      <p:sp>
+        <p:nvSpPr>
+          <p:cNvPr id="2" name="Cím 1">
+            <a:extLst>
+              <a:ext uri="{FF2B5EF4-FFF2-40B4-BE49-F238E27FC236}">
+                <a16:creationId xmlns:a16="http://schemas.microsoft.com/office/drawing/2014/main" id="{E3D667F5-C903-4EB8-9114-C161C86B52FF}"/>
+              </a:ext>
+            </a:extLst>
+          </p:cNvPr>
+          <p:cNvSpPr>
+            <a:spLocks noGrp="1"/>
+          </p:cNvSpPr>
+          <p:nvPr>
+            <p:ph type="title"/>
+          </p:nvPr>
+        </p:nvSpPr>
+        <p:spPr/>
+        <p:txBody>
+          <a:bodyPr>
+            <a:normAutofit/>
+          </a:bodyPr>
+          <a:lstStyle/>
+          <a:p>
+            <a:r>
+              <a:rPr lang="hu-HU" dirty="0"/>
+              <a:t>Mesterséges intelligencia a mindennapi életünkben</a:t>
+            </a:r>
+          </a:p>
+        </p:txBody>
+      </p:sp>
+      <p:sp>
+        <p:nvSpPr>
+          <p:cNvPr id="3" name="Tartalom helye 2">
+            <a:extLst>
+              <a:ext uri="{FF2B5EF4-FFF2-40B4-BE49-F238E27FC236}">
+                <a16:creationId xmlns:a16="http://schemas.microsoft.com/office/drawing/2014/main" id="{6C62D2F0-6A32-4D89-88E9-37221E3DD165}"/>
+              </a:ext>
+            </a:extLst>
+          </p:cNvPr>
+          <p:cNvSpPr>
+            <a:spLocks noGrp="1"/>
+          </p:cNvSpPr>
+          <p:nvPr>
+            <p:ph idx="1"/>
+          </p:nvPr>
+        </p:nvSpPr>
+        <p:spPr>
+          <a:xfrm>
+            <a:off x="2405543" y="3628317"/>
+            <a:ext cx="10131425" cy="3649133"/>
+          </a:xfrm>
+        </p:spPr>
+        <p:txBody>
+          <a:bodyPr/>
+          <a:lstStyle/>
+          <a:p>
+            <a:r>
+              <a:rPr lang="hu-HU" b="1" dirty="0"/>
+              <a:t>Online vásárlás és hirdetések </a:t>
+            </a:r>
+            <a:r>
+              <a:rPr lang="hu-HU" b="1" dirty="0" err="1"/>
+              <a:t>pl</a:t>
+            </a:r>
+            <a:r>
+              <a:rPr lang="hu-HU" b="1" dirty="0"/>
+              <a:t>: </a:t>
+            </a:r>
+            <a:r>
+              <a:rPr lang="hu-HU" i="1" dirty="0"/>
+              <a:t>személyre szabott hirdetések</a:t>
+            </a:r>
+          </a:p>
+          <a:p>
+            <a:r>
+              <a:rPr lang="hu-HU" b="1" dirty="0"/>
+              <a:t>Internetes keresés </a:t>
+            </a:r>
+            <a:r>
+              <a:rPr lang="hu-HU" b="1" dirty="0" err="1"/>
+              <a:t>pl</a:t>
+            </a:r>
+            <a:r>
+              <a:rPr lang="hu-HU" b="1" dirty="0"/>
+              <a:t>: </a:t>
+            </a:r>
+            <a:r>
+              <a:rPr lang="hu-HU" i="1" dirty="0"/>
+              <a:t>keresőmotorok</a:t>
+            </a:r>
+          </a:p>
+          <a:p>
+            <a:r>
+              <a:rPr lang="hu-HU" b="1" dirty="0"/>
+              <a:t>Digitális személyi asszisztensek </a:t>
+            </a:r>
+            <a:r>
+              <a:rPr lang="hu-HU" b="1" dirty="0" err="1"/>
+              <a:t>pl</a:t>
+            </a:r>
+            <a:r>
+              <a:rPr lang="hu-HU" b="1" dirty="0"/>
+              <a:t>: </a:t>
+            </a:r>
+            <a:r>
+              <a:rPr lang="hu-HU" i="1" dirty="0" err="1"/>
+              <a:t>Iphone</a:t>
+            </a:r>
+            <a:r>
+              <a:rPr lang="hu-HU" i="1" dirty="0"/>
+              <a:t> – Siri </a:t>
+            </a:r>
+          </a:p>
+          <a:p>
+            <a:r>
+              <a:rPr lang="hu-HU" b="1" dirty="0"/>
+              <a:t>Gépi fordítás </a:t>
+            </a:r>
+            <a:r>
+              <a:rPr lang="hu-HU" b="1" dirty="0" err="1"/>
+              <a:t>pl</a:t>
+            </a:r>
+            <a:r>
+              <a:rPr lang="hu-HU" b="1" dirty="0"/>
+              <a:t>: </a:t>
+            </a:r>
+            <a:r>
+              <a:rPr lang="hu-HU" i="1" dirty="0"/>
+              <a:t>fordító szoftver</a:t>
+            </a:r>
+          </a:p>
+          <a:p>
+            <a:r>
+              <a:rPr lang="hu-HU" b="1" dirty="0"/>
+              <a:t>Okosotthonok, városok és infrastruktúra </a:t>
+            </a:r>
+            <a:r>
+              <a:rPr lang="hu-HU" b="1" dirty="0" err="1"/>
+              <a:t>pl</a:t>
+            </a:r>
+            <a:r>
+              <a:rPr lang="hu-HU" b="1" dirty="0"/>
+              <a:t>: </a:t>
+            </a:r>
+            <a:r>
+              <a:rPr lang="hu-HU" i="1" dirty="0"/>
+              <a:t>forgalom szabályozás, okos termosztátok</a:t>
+            </a:r>
+          </a:p>
+          <a:p>
+            <a:r>
+              <a:rPr lang="hu-HU" b="1" dirty="0"/>
+              <a:t>Okosautók </a:t>
+            </a:r>
+            <a:r>
+              <a:rPr lang="hu-HU" b="1" dirty="0" err="1"/>
+              <a:t>pl</a:t>
+            </a:r>
+            <a:r>
+              <a:rPr lang="hu-HU" b="1" dirty="0"/>
+              <a:t>: </a:t>
+            </a:r>
+            <a:r>
+              <a:rPr lang="hu-HU" i="1" dirty="0"/>
+              <a:t>önvezető autók</a:t>
+            </a:r>
+          </a:p>
+          <a:p>
+            <a:r>
+              <a:rPr lang="hu-HU" b="1" dirty="0" err="1"/>
+              <a:t>Kiberbiztonság</a:t>
+            </a:r>
+            <a:r>
+              <a:rPr lang="hu-HU" b="1" dirty="0"/>
+              <a:t> </a:t>
+            </a:r>
+            <a:r>
+              <a:rPr lang="hu-HU" b="1" dirty="0" err="1"/>
+              <a:t>pl</a:t>
+            </a:r>
+            <a:r>
+              <a:rPr lang="hu-HU" b="1" dirty="0"/>
+              <a:t>: </a:t>
+            </a:r>
+            <a:r>
+              <a:rPr lang="hu-HU" i="1" dirty="0"/>
+              <a:t>minták felismerése és a támadások visszakövetése</a:t>
+            </a:r>
+          </a:p>
+          <a:p>
+            <a:r>
+              <a:rPr lang="hu-HU" b="1" dirty="0"/>
+              <a:t>A félretájékoztatás elleni küzdelem </a:t>
+            </a:r>
+            <a:r>
+              <a:rPr lang="hu-HU" b="1" dirty="0" err="1"/>
+              <a:t>pl</a:t>
+            </a:r>
+            <a:r>
+              <a:rPr lang="hu-HU" b="1" dirty="0"/>
+              <a:t>: </a:t>
+            </a:r>
+            <a:r>
+              <a:rPr lang="hu-HU" i="1" dirty="0"/>
+              <a:t>álhírek felderítése</a:t>
+            </a:r>
+          </a:p>
+          <a:p>
+            <a:endParaRPr lang="hu-HU" i="1" dirty="0"/>
+          </a:p>
+          <a:p>
+            <a:endParaRPr lang="hu-HU" i="1" dirty="0"/>
+          </a:p>
+          <a:p>
+            <a:endParaRPr lang="hu-HU" i="1" dirty="0"/>
+          </a:p>
+          <a:p>
+            <a:endParaRPr lang="hu-HU" b="1" dirty="0"/>
+          </a:p>
+          <a:p>
+            <a:endParaRPr lang="hu-HU" i="1" dirty="0"/>
+          </a:p>
+          <a:p>
+            <a:endParaRPr lang="hu-HU" b="1" dirty="0"/>
+          </a:p>
+          <a:p>
+            <a:endParaRPr lang="hu-HU" dirty="0"/>
+          </a:p>
+        </p:txBody>
+      </p:sp>
+    </p:spTree>
+    <p:extLst>
+      <p:ext uri="{BB962C8B-B14F-4D97-AF65-F5344CB8AC3E}">
+        <p14:creationId xmlns:p14="http://schemas.microsoft.com/office/powerpoint/2010/main" val="2358832587"/>
+      </p:ext>
+    </p:extLst>
+  </p:cSld>
+  <p:clrMapOvr>
+    <a:masterClrMapping/>
+  </p:clrMapOvr>
+</p:sld>
+</file>
+
+<file path=ppt/slides/slide5.xml><?xml version="1.0" encoding="utf-8"?>
+<p:sld xmlns:a="http://schemas.openxmlformats.org/drawingml/2006/main" xmlns:r="http://schemas.openxmlformats.org/officeDocument/2006/relationships" xmlns:p="http://schemas.openxmlformats.org/presentationml/2006/main">
+  <p:cSld>
+    <p:spTree>
+      <p:nvGrpSpPr>
+        <p:cNvPr id="1" name=""/>
+        <p:cNvGrpSpPr/>
+        <p:nvPr/>
+      </p:nvGrpSpPr>
+      <p:grpSpPr>
+        <a:xfrm>
+          <a:off x="0" y="0"/>
+          <a:ext cx="0" cy="0"/>
+          <a:chOff x="0" y="0"/>
+          <a:chExt cx="0" cy="0"/>
+        </a:xfrm>
+      </p:grpSpPr>
+      <p:sp>
+        <p:nvSpPr>
+          <p:cNvPr id="2" name="Cím 1">
+            <a:extLst>
+              <a:ext uri="{FF2B5EF4-FFF2-40B4-BE49-F238E27FC236}">
+                <a16:creationId xmlns:a16="http://schemas.microsoft.com/office/drawing/2014/main" id="{74072F87-9700-4CB1-BC59-DFAE91A10DCC}"/>
+              </a:ext>
+            </a:extLst>
+          </p:cNvPr>
+          <p:cNvSpPr>
+            <a:spLocks noGrp="1"/>
+          </p:cNvSpPr>
+          <p:nvPr>
+            <p:ph type="title"/>
+          </p:nvPr>
+        </p:nvSpPr>
+        <p:spPr/>
+        <p:txBody>
+          <a:bodyPr>
+            <a:normAutofit/>
+          </a:bodyPr>
+          <a:lstStyle/>
+          <a:p>
+            <a:r>
+              <a:rPr lang="hu-HU" dirty="0"/>
+              <a:t>Mesterséges intelligencia az élet egyéb területein</a:t>
+            </a:r>
+          </a:p>
+        </p:txBody>
+      </p:sp>
+      <p:sp>
+        <p:nvSpPr>
+          <p:cNvPr id="3" name="Tartalom helye 2">
+            <a:extLst>
+              <a:ext uri="{FF2B5EF4-FFF2-40B4-BE49-F238E27FC236}">
+                <a16:creationId xmlns:a16="http://schemas.microsoft.com/office/drawing/2014/main" id="{0CABB2AD-2491-4C49-BCA5-FAD67375D2B5}"/>
+              </a:ext>
+            </a:extLst>
+          </p:cNvPr>
+          <p:cNvSpPr>
+            <a:spLocks noGrp="1"/>
+          </p:cNvSpPr>
+          <p:nvPr>
+            <p:ph idx="1"/>
+          </p:nvPr>
+        </p:nvSpPr>
+        <p:spPr>
+          <a:xfrm>
+            <a:off x="1927372" y="2469237"/>
+            <a:ext cx="10131425" cy="3649133"/>
+          </a:xfrm>
+        </p:spPr>
+        <p:txBody>
+          <a:bodyPr/>
+          <a:lstStyle/>
+          <a:p>
+            <a:r>
+              <a:rPr lang="hu-HU" sz="2000" b="1" dirty="0"/>
+              <a:t>Egészség </a:t>
+            </a:r>
+            <a:r>
+              <a:rPr lang="hu-HU" sz="2000" b="1" dirty="0" err="1"/>
+              <a:t>pl</a:t>
+            </a:r>
+            <a:r>
+              <a:rPr lang="hu-HU" sz="2000" b="1" dirty="0"/>
+              <a:t>: </a:t>
+            </a:r>
+            <a:r>
+              <a:rPr lang="hu-HU" sz="2000" i="1" dirty="0"/>
+              <a:t>javítják diagnosztikai lehetőségeket</a:t>
+            </a:r>
+          </a:p>
+          <a:p>
+            <a:r>
+              <a:rPr lang="hu-HU" sz="2000" b="1" dirty="0"/>
+              <a:t>Közlekedés </a:t>
+            </a:r>
+            <a:r>
+              <a:rPr lang="hu-HU" sz="2000" b="1" dirty="0" err="1"/>
+              <a:t>pl</a:t>
+            </a:r>
+            <a:r>
+              <a:rPr lang="hu-HU" sz="2000" b="1" dirty="0"/>
+              <a:t>: </a:t>
+            </a:r>
+            <a:r>
+              <a:rPr lang="hu-HU" sz="2000" i="1" dirty="0"/>
+              <a:t>a vasúti forgalom biztonságának javítása</a:t>
+            </a:r>
+          </a:p>
+          <a:p>
+            <a:r>
+              <a:rPr lang="hu-HU" sz="2000" b="1" dirty="0"/>
+              <a:t>Termelés </a:t>
+            </a:r>
+            <a:r>
+              <a:rPr lang="hu-HU" sz="2000" b="1" dirty="0" err="1"/>
+              <a:t>pl</a:t>
+            </a:r>
+            <a:r>
+              <a:rPr lang="hu-HU" sz="2000" b="1" dirty="0"/>
+              <a:t>: </a:t>
+            </a:r>
+            <a:r>
+              <a:rPr lang="hu-HU" sz="2000" i="1" dirty="0"/>
+              <a:t>európai gyártók hatékonyságának növelése robotokkal</a:t>
+            </a:r>
+          </a:p>
+          <a:p>
+            <a:r>
+              <a:rPr lang="hu-HU" sz="2000" b="1" dirty="0"/>
+              <a:t>Élelmiszer és gazdálkodás </a:t>
+            </a:r>
+            <a:r>
+              <a:rPr lang="hu-HU" sz="2000" b="1" dirty="0" err="1"/>
+              <a:t>pl</a:t>
+            </a:r>
+            <a:r>
+              <a:rPr lang="hu-HU" sz="2000" b="1" dirty="0"/>
+              <a:t>: </a:t>
+            </a:r>
+            <a:r>
+              <a:rPr lang="hu-HU" sz="2000" i="1" dirty="0"/>
+              <a:t>segít a fenntartható élelmiszerrendszer kiépítésében </a:t>
+            </a:r>
+          </a:p>
+          <a:p>
+            <a:r>
+              <a:rPr lang="hu-HU" sz="2000" b="1" dirty="0"/>
+              <a:t>Közigazgatás és szolgáltatások </a:t>
+            </a:r>
+            <a:r>
+              <a:rPr lang="hu-HU" sz="2000" b="1" dirty="0" err="1"/>
+              <a:t>pl</a:t>
+            </a:r>
+            <a:r>
+              <a:rPr lang="hu-HU" sz="2000" b="1" dirty="0"/>
+              <a:t>: </a:t>
+            </a:r>
+            <a:r>
+              <a:rPr lang="hu-HU" sz="2000" dirty="0"/>
+              <a:t>Az adatok elemzésével figyelmeztetést adhat a természeti 							           katasztrófákról</a:t>
+            </a:r>
+            <a:endParaRPr lang="hu-HU" sz="2000" i="1" dirty="0"/>
+          </a:p>
+          <a:p>
+            <a:endParaRPr lang="hu-HU" b="1" i="1" dirty="0"/>
+          </a:p>
+          <a:p>
+            <a:endParaRPr lang="hu-HU" dirty="0"/>
+          </a:p>
+        </p:txBody>
+      </p:sp>
+    </p:spTree>
+    <p:extLst>
+      <p:ext uri="{BB962C8B-B14F-4D97-AF65-F5344CB8AC3E}">
+        <p14:creationId xmlns:p14="http://schemas.microsoft.com/office/powerpoint/2010/main" val="3392772626"/>
+      </p:ext>
+    </p:extLst>
+  </p:cSld>
+  <p:clrMapOvr>
+    <a:masterClrMapping/>
+  </p:clrMapOvr>
+</p:sld>
+</file>
+
+<file path=ppt/slides/slide6.xml><?xml version="1.0" encoding="utf-8"?>
+<p:sld xmlns:a="http://schemas.openxmlformats.org/drawingml/2006/main" xmlns:r="http://schemas.openxmlformats.org/officeDocument/2006/relationships" xmlns:p="http://schemas.openxmlformats.org/presentationml/2006/main">
+  <p:cSld>
+    <p:spTree>
+      <p:nvGrpSpPr>
+        <p:cNvPr id="1" name=""/>
+        <p:cNvGrpSpPr/>
+        <p:nvPr/>
+      </p:nvGrpSpPr>
+      <p:grpSpPr>
+        <a:xfrm>
+          <a:off x="0" y="0"/>
+          <a:ext cx="0" cy="0"/>
+          <a:chOff x="0" y="0"/>
+          <a:chExt cx="0" cy="0"/>
+        </a:xfrm>
+      </p:grpSpPr>
+      <p:sp>
+        <p:nvSpPr>
+          <p:cNvPr id="2" name="Cím 1">
+            <a:extLst>
+              <a:ext uri="{FF2B5EF4-FFF2-40B4-BE49-F238E27FC236}">
+                <a16:creationId xmlns:a16="http://schemas.microsoft.com/office/drawing/2014/main" id="{B4DB9E0D-D826-4211-B471-3E1D8D094FE3}"/>
+              </a:ext>
+            </a:extLst>
+          </p:cNvPr>
+          <p:cNvSpPr>
+            <a:spLocks noGrp="1"/>
+          </p:cNvSpPr>
+          <p:nvPr>
+            <p:ph type="title"/>
+          </p:nvPr>
+        </p:nvSpPr>
+        <p:spPr>
+          <a:xfrm>
+            <a:off x="576745" y="514834"/>
+            <a:ext cx="3928143" cy="728134"/>
+          </a:xfrm>
+        </p:spPr>
+        <p:txBody>
+          <a:bodyPr/>
+          <a:lstStyle/>
+          <a:p>
+            <a:r>
+              <a:rPr lang="hu-HU" dirty="0"/>
+              <a:t>Hogyan működik?</a:t>
+            </a:r>
+          </a:p>
+        </p:txBody>
+      </p:sp>
+      <p:sp>
+        <p:nvSpPr>
+          <p:cNvPr id="3" name="Tartalom helye 2">
+            <a:extLst>
+              <a:ext uri="{FF2B5EF4-FFF2-40B4-BE49-F238E27FC236}">
+                <a16:creationId xmlns:a16="http://schemas.microsoft.com/office/drawing/2014/main" id="{578C578F-94AD-44E9-A4FA-DC1BF28F0821}"/>
+              </a:ext>
+            </a:extLst>
+          </p:cNvPr>
+          <p:cNvSpPr>
+            <a:spLocks noGrp="1"/>
+          </p:cNvSpPr>
+          <p:nvPr>
+            <p:ph sz="half" idx="1"/>
+          </p:nvPr>
+        </p:nvSpPr>
+        <p:spPr/>
+        <p:txBody>
+          <a:bodyPr/>
+          <a:lstStyle/>
+          <a:p>
+            <a:pPr marL="0" indent="0">
+              <a:buNone/>
+            </a:pPr>
+            <a:r>
+              <a:rPr lang="hu-HU" dirty="0"/>
+              <a:t>A matematika és a logika használatával a számítógépes rendszer szimulálni képes azt az érvelési eljárást, amelyet az emberek is használnak, amikor új információk alapján tanulnak és hoznak döntéseket. A mesterséges intelligenciát használó számítógépes rendszerek </a:t>
+            </a:r>
+            <a:r>
+              <a:rPr lang="hu-HU" dirty="0" err="1"/>
+              <a:t>előrejelzéseket</a:t>
+            </a:r>
+            <a:r>
+              <a:rPr lang="hu-HU" dirty="0"/>
+              <a:t> nyújtanak vagy a meglévő adatok mintázatán alapuló műveleteket hajtanak végre, és tanulni képesek a hibáikból, és így növelik a pontosságukat.</a:t>
+            </a:r>
+          </a:p>
+        </p:txBody>
+      </p:sp>
+      <p:sp>
+        <p:nvSpPr>
+          <p:cNvPr id="4" name="Tartalom helye 3">
+            <a:extLst>
+              <a:ext uri="{FF2B5EF4-FFF2-40B4-BE49-F238E27FC236}">
+                <a16:creationId xmlns:a16="http://schemas.microsoft.com/office/drawing/2014/main" id="{04C31ED6-BB2C-449F-90F9-3FE756D154DE}"/>
+              </a:ext>
+            </a:extLst>
+          </p:cNvPr>
+          <p:cNvSpPr>
+            <a:spLocks noGrp="1"/>
+          </p:cNvSpPr>
+          <p:nvPr>
+            <p:ph sz="half" idx="2"/>
+          </p:nvPr>
+        </p:nvSpPr>
+        <p:spPr>
+          <a:xfrm>
+            <a:off x="6096000" y="2338620"/>
+            <a:ext cx="4995332" cy="3649133"/>
+          </a:xfrm>
+        </p:spPr>
+        <p:txBody>
+          <a:bodyPr/>
+          <a:lstStyle/>
+          <a:p>
+            <a:pPr marL="0" indent="0">
+              <a:buNone/>
+            </a:pPr>
+            <a:r>
+              <a:rPr lang="hu-HU" dirty="0"/>
+              <a:t>A mesterséges intelligencia szinte minden iparágban valós értékeket nyújt.</a:t>
+            </a:r>
+            <a:br>
+              <a:rPr lang="hu-HU" dirty="0"/>
+            </a:br>
+            <a:r>
+              <a:rPr lang="hu-HU" dirty="0"/>
+              <a:t>Íme a technológia néhány legnagyobb előnye, amelyet már számos vállalkozás kihasznál:</a:t>
+            </a:r>
+            <a:br>
+              <a:rPr lang="hu-HU" dirty="0"/>
+            </a:br>
+            <a:endParaRPr lang="hu-HU" dirty="0"/>
+          </a:p>
+          <a:p>
+            <a:pPr lvl="2"/>
+            <a:r>
+              <a:rPr lang="hu-HU" b="1" dirty="0"/>
+              <a:t>Éjjel-nappal elérhető</a:t>
+            </a:r>
+          </a:p>
+          <a:p>
+            <a:pPr lvl="2"/>
+            <a:r>
+              <a:rPr lang="hu-HU" b="1" dirty="0"/>
+              <a:t>Kommunikáció nagy méretekbe</a:t>
+            </a:r>
+          </a:p>
+          <a:p>
+            <a:pPr lvl="2"/>
+            <a:r>
+              <a:rPr lang="hu-HU" b="1" dirty="0"/>
+              <a:t>Az ismétlődő feladatok automatizálása</a:t>
+            </a:r>
+          </a:p>
+          <a:p>
+            <a:pPr lvl="2"/>
+            <a:r>
+              <a:rPr lang="hu-HU" b="1" dirty="0"/>
+              <a:t>Gyorsabb, pontosabb döntések</a:t>
+            </a:r>
+          </a:p>
+          <a:p>
+            <a:endParaRPr lang="hu-HU" dirty="0"/>
+          </a:p>
+        </p:txBody>
+      </p:sp>
+      <p:sp>
+        <p:nvSpPr>
+          <p:cNvPr id="5" name="Cím 1">
+            <a:extLst>
+              <a:ext uri="{FF2B5EF4-FFF2-40B4-BE49-F238E27FC236}">
+                <a16:creationId xmlns:a16="http://schemas.microsoft.com/office/drawing/2014/main" id="{F20780DD-C82A-43DF-8F60-F1F62528CD14}"/>
+              </a:ext>
+            </a:extLst>
+          </p:cNvPr>
+          <p:cNvSpPr txBox="1">
+            <a:spLocks/>
+          </p:cNvSpPr>
+          <p:nvPr/>
+        </p:nvSpPr>
+        <p:spPr>
+          <a:xfrm>
+            <a:off x="6355489" y="514834"/>
+            <a:ext cx="3928143" cy="728134"/>
+          </a:xfrm>
+          <a:prstGeom prst="rect">
+            <a:avLst/>
+          </a:prstGeom>
+          <a:effectLst/>
+        </p:spPr>
+        <p:txBody>
+          <a:bodyPr vert="horz" lIns="91440" tIns="45720" rIns="91440" bIns="45720" rtlCol="0" anchor="ctr">
+            <a:normAutofit/>
+          </a:bodyPr>
+          <a:lstStyle>
+            <a:lvl1pPr algn="l" defTabSz="457200" rtl="0" eaLnBrk="1" latinLnBrk="0" hangingPunct="1">
+              <a:spcBef>
+                <a:spcPct val="0"/>
+              </a:spcBef>
+              <a:buNone/>
+              <a:defRPr sz="3600" kern="1200" cap="all">
+                <a:ln w="3175" cmpd="sng">
+                  <a:noFill/>
+                </a:ln>
+                <a:solidFill>
+                  <a:schemeClr val="tx1"/>
+                </a:solidFill>
+                <a:effectLst/>
+                <a:latin typeface="+mj-lt"/>
+                <a:ea typeface="+mj-ea"/>
+                <a:cs typeface="+mj-cs"/>
+              </a:defRPr>
+            </a:lvl1pPr>
+            <a:lvl2pPr eaLnBrk="1" hangingPunct="1">
+              <a:defRPr>
+                <a:solidFill>
+                  <a:schemeClr val="tx2"/>
+                </a:solidFill>
+              </a:defRPr>
+            </a:lvl2pPr>
+            <a:lvl3pPr eaLnBrk="1" hangingPunct="1">
+              <a:defRPr>
+                <a:solidFill>
+                  <a:schemeClr val="tx2"/>
+                </a:solidFill>
+              </a:defRPr>
+            </a:lvl3pPr>
+            <a:lvl4pPr eaLnBrk="1" hangingPunct="1">
+              <a:defRPr>
+                <a:solidFill>
+                  <a:schemeClr val="tx2"/>
+                </a:solidFill>
+              </a:defRPr>
+            </a:lvl4pPr>
+            <a:lvl5pPr eaLnBrk="1" hangingPunct="1">
+              <a:defRPr>
+                <a:solidFill>
+                  <a:schemeClr val="tx2"/>
+                </a:solidFill>
+              </a:defRPr>
+            </a:lvl5pPr>
+            <a:lvl6pPr eaLnBrk="1" hangingPunct="1">
+              <a:defRPr>
+                <a:solidFill>
+                  <a:schemeClr val="tx2"/>
+                </a:solidFill>
+              </a:defRPr>
+            </a:lvl6pPr>
+            <a:lvl7pPr eaLnBrk="1" hangingPunct="1">
+              <a:defRPr>
+                <a:solidFill>
+                  <a:schemeClr val="tx2"/>
+                </a:solidFill>
+              </a:defRPr>
+            </a:lvl7pPr>
+            <a:lvl8pPr eaLnBrk="1" hangingPunct="1">
+              <a:defRPr>
+                <a:solidFill>
+                  <a:schemeClr val="tx2"/>
+                </a:solidFill>
+              </a:defRPr>
+            </a:lvl8pPr>
+            <a:lvl9pPr eaLnBrk="1" hangingPunct="1">
+              <a:defRPr>
+                <a:solidFill>
+                  <a:schemeClr val="tx2"/>
+                </a:solidFill>
+              </a:defRPr>
+            </a:lvl9pPr>
+          </a:lstStyle>
+          <a:p>
+            <a:r>
+              <a:rPr lang="hu-HU" dirty="0"/>
+              <a:t>Mik az előnyei?</a:t>
+            </a:r>
+          </a:p>
+        </p:txBody>
+      </p:sp>
+    </p:spTree>
+    <p:extLst>
+      <p:ext uri="{BB962C8B-B14F-4D97-AF65-F5344CB8AC3E}">
+        <p14:creationId xmlns:p14="http://schemas.microsoft.com/office/powerpoint/2010/main" val="139510282"/>
+      </p:ext>
+    </p:extLst>
+  </p:cSld>
+  <p:clrMapOvr>
+    <a:masterClrMapping/>
+  </p:clrMapOvr>
+</p:sld>
+</file>
+
 <file path=ppt/theme/theme1.xml><?xml version="1.0" encoding="utf-8"?>
 <a:theme xmlns:a="http://schemas.openxmlformats.org/drawingml/2006/main" name="Égi">
   <a:themeElements>
